--- a/lm_0921.pptx
+++ b/lm_0921.pptx
@@ -241,7 +241,7 @@
           <a:p>
             <a:fld id="{68265C1B-055B-4A49-AE97-4C86D4DA142B}" type="datetimeFigureOut">
               <a:rPr lang="en-US" smtClean="0"/>
-              <a:t>9/21/18</a:t>
+              <a:t>9/25/18</a:t>
             </a:fld>
             <a:endParaRPr lang="en-US"/>
           </a:p>
@@ -571,7 +571,7 @@
               </a14:hiddenLine>
             </a:ext>
             <a:ext uri="{FAA26D3D-D897-4be2-8F04-BA451C77F1D7}">
-              <ma14:placeholderFlag xmlns:ma14="http://schemas.microsoft.com/office/mac/drawingml/2011/main" xmlns="" val="1"/>
+              <ma14:placeholderFlag xmlns="" xmlns:ma14="http://schemas.microsoft.com/office/mac/drawingml/2011/main" val="1"/>
             </a:ext>
           </a:extLst>
         </p:spPr>
@@ -814,7 +814,7 @@
           <a:p>
             <a:fld id="{A3AB679D-0E79-3349-9F9F-0060ED997CE8}" type="datetimeFigureOut">
               <a:rPr lang="en-US" smtClean="0"/>
-              <a:t>9/21/18</a:t>
+              <a:t>9/25/18</a:t>
             </a:fld>
             <a:endParaRPr lang="en-US"/>
           </a:p>
@@ -982,7 +982,7 @@
           <a:p>
             <a:fld id="{A3AB679D-0E79-3349-9F9F-0060ED997CE8}" type="datetimeFigureOut">
               <a:rPr lang="en-US" smtClean="0"/>
-              <a:t>9/21/18</a:t>
+              <a:t>9/25/18</a:t>
             </a:fld>
             <a:endParaRPr lang="en-US"/>
           </a:p>
@@ -1160,7 +1160,7 @@
           <a:p>
             <a:fld id="{A3AB679D-0E79-3349-9F9F-0060ED997CE8}" type="datetimeFigureOut">
               <a:rPr lang="en-US" smtClean="0"/>
-              <a:t>9/21/18</a:t>
+              <a:t>9/25/18</a:t>
             </a:fld>
             <a:endParaRPr lang="en-US"/>
           </a:p>
@@ -1328,7 +1328,7 @@
           <a:p>
             <a:fld id="{A3AB679D-0E79-3349-9F9F-0060ED997CE8}" type="datetimeFigureOut">
               <a:rPr lang="en-US" smtClean="0"/>
-              <a:t>9/21/18</a:t>
+              <a:t>9/25/18</a:t>
             </a:fld>
             <a:endParaRPr lang="en-US"/>
           </a:p>
@@ -1573,7 +1573,7 @@
           <a:p>
             <a:fld id="{A3AB679D-0E79-3349-9F9F-0060ED997CE8}" type="datetimeFigureOut">
               <a:rPr lang="en-US" smtClean="0"/>
-              <a:t>9/21/18</a:t>
+              <a:t>9/25/18</a:t>
             </a:fld>
             <a:endParaRPr lang="en-US"/>
           </a:p>
@@ -1802,7 +1802,7 @@
           <a:p>
             <a:fld id="{A3AB679D-0E79-3349-9F9F-0060ED997CE8}" type="datetimeFigureOut">
               <a:rPr lang="en-US" smtClean="0"/>
-              <a:t>9/21/18</a:t>
+              <a:t>9/25/18</a:t>
             </a:fld>
             <a:endParaRPr lang="en-US"/>
           </a:p>
@@ -2166,7 +2166,7 @@
           <a:p>
             <a:fld id="{A3AB679D-0E79-3349-9F9F-0060ED997CE8}" type="datetimeFigureOut">
               <a:rPr lang="en-US" smtClean="0"/>
-              <a:t>9/21/18</a:t>
+              <a:t>9/25/18</a:t>
             </a:fld>
             <a:endParaRPr lang="en-US"/>
           </a:p>
@@ -2283,7 +2283,7 @@
           <a:p>
             <a:fld id="{A3AB679D-0E79-3349-9F9F-0060ED997CE8}" type="datetimeFigureOut">
               <a:rPr lang="en-US" smtClean="0"/>
-              <a:t>9/21/18</a:t>
+              <a:t>9/25/18</a:t>
             </a:fld>
             <a:endParaRPr lang="en-US"/>
           </a:p>
@@ -2378,7 +2378,7 @@
           <a:p>
             <a:fld id="{A3AB679D-0E79-3349-9F9F-0060ED997CE8}" type="datetimeFigureOut">
               <a:rPr lang="en-US" smtClean="0"/>
-              <a:t>9/21/18</a:t>
+              <a:t>9/25/18</a:t>
             </a:fld>
             <a:endParaRPr lang="en-US"/>
           </a:p>
@@ -2653,7 +2653,7 @@
           <a:p>
             <a:fld id="{A3AB679D-0E79-3349-9F9F-0060ED997CE8}" type="datetimeFigureOut">
               <a:rPr lang="en-US" smtClean="0"/>
-              <a:t>9/21/18</a:t>
+              <a:t>9/25/18</a:t>
             </a:fld>
             <a:endParaRPr lang="en-US"/>
           </a:p>
@@ -2905,7 +2905,7 @@
           <a:p>
             <a:fld id="{A3AB679D-0E79-3349-9F9F-0060ED997CE8}" type="datetimeFigureOut">
               <a:rPr lang="en-US" smtClean="0"/>
-              <a:t>9/21/18</a:t>
+              <a:t>9/25/18</a:t>
             </a:fld>
             <a:endParaRPr lang="en-US"/>
           </a:p>
@@ -3116,7 +3116,7 @@
           <a:p>
             <a:fld id="{A3AB679D-0E79-3349-9F9F-0060ED997CE8}" type="datetimeFigureOut">
               <a:rPr lang="en-US" smtClean="0"/>
-              <a:t>9/21/18</a:t>
+              <a:t>9/25/18</a:t>
             </a:fld>
             <a:endParaRPr lang="en-US"/>
           </a:p>
@@ -10863,8 +10863,8 @@
           </a:p>
         </p:txBody>
       </p:sp>
-      <mc:AlternateContent xmlns:mc="http://schemas.openxmlformats.org/markup-compatibility/2006">
-        <mc:Choice xmlns:a14="http://schemas.microsoft.com/office/drawing/2010/main" Requires="a14">
+      <mc:AlternateContent xmlns:mc="http://schemas.openxmlformats.org/markup-compatibility/2006" xmlns:a14="http://schemas.microsoft.com/office/drawing/2010/main">
+        <mc:Choice Requires="a14">
           <p:sp>
             <p:nvSpPr>
               <p:cNvPr id="3" name="Content Placeholder 2"/>
@@ -11248,7 +11248,7 @@
             </p:txBody>
           </p:sp>
         </mc:Choice>
-        <mc:Fallback>
+        <mc:Fallback xmlns="">
           <p:sp>
             <p:nvSpPr>
               <p:cNvPr id="3" name="Content Placeholder 2"/>
@@ -11745,8 +11745,8 @@
           </a:p>
         </p:txBody>
       </p:sp>
-      <mc:AlternateContent xmlns:mc="http://schemas.openxmlformats.org/markup-compatibility/2006">
-        <mc:Choice xmlns:a14="http://schemas.microsoft.com/office/drawing/2010/main" Requires="a14">
+      <mc:AlternateContent xmlns:mc="http://schemas.openxmlformats.org/markup-compatibility/2006" xmlns:a14="http://schemas.microsoft.com/office/drawing/2010/main">
+        <mc:Choice Requires="a14">
           <p:sp>
             <p:nvSpPr>
               <p:cNvPr id="3" name="Content Placeholder 2"/>
@@ -12626,7 +12626,7 @@
             </p:txBody>
           </p:sp>
         </mc:Choice>
-        <mc:Fallback>
+        <mc:Fallback xmlns="">
           <p:sp>
             <p:nvSpPr>
               <p:cNvPr id="3" name="Content Placeholder 2"/>
@@ -13238,8 +13238,8 @@
           </a:p>
         </p:txBody>
       </p:sp>
-      <mc:AlternateContent xmlns:mc="http://schemas.openxmlformats.org/markup-compatibility/2006">
-        <mc:Choice xmlns:a14="http://schemas.microsoft.com/office/drawing/2010/main" Requires="a14">
+      <mc:AlternateContent xmlns:mc="http://schemas.openxmlformats.org/markup-compatibility/2006" xmlns:a14="http://schemas.microsoft.com/office/drawing/2010/main">
+        <mc:Choice Requires="a14">
           <p:sp>
             <p:nvSpPr>
               <p:cNvPr id="3" name="Content Placeholder 2"/>
@@ -13655,7 +13655,7 @@
             </p:txBody>
           </p:sp>
         </mc:Choice>
-        <mc:Fallback>
+        <mc:Fallback xmlns="">
           <p:sp>
             <p:nvSpPr>
               <p:cNvPr id="3" name="Content Placeholder 2"/>
@@ -14323,8 +14323,8 @@
           </a:p>
         </p:txBody>
       </p:sp>
-      <mc:AlternateContent xmlns:mc="http://schemas.openxmlformats.org/markup-compatibility/2006" xmlns:a14="http://schemas.microsoft.com/office/drawing/2010/main">
-        <mc:Choice Requires="a14">
+      <mc:AlternateContent xmlns:mc="http://schemas.openxmlformats.org/markup-compatibility/2006">
+        <mc:Choice xmlns:a14="http://schemas.microsoft.com/office/drawing/2010/main" Requires="a14">
           <p:sp>
             <p:nvSpPr>
               <p:cNvPr id="3" name="Content Placeholder 2"/>
@@ -14341,15 +14341,27 @@
               <a:lstStyle/>
               <a:p>
                 <a:r>
-                  <a:rPr lang="en-US" dirty="0"/>
+                  <a:rPr lang="en-US" dirty="0">
+                    <a:highlight>
+                      <a:srgbClr val="FFFF00"/>
+                    </a:highlight>
+                  </a:rPr>
                   <a:t>To estimate P(</a:t>
                 </a:r>
                 <a:r>
-                  <a:rPr lang="en-US" b="1" dirty="0"/>
+                  <a:rPr lang="en-US" b="1" dirty="0">
+                    <a:highlight>
+                      <a:srgbClr val="FFFF00"/>
+                    </a:highlight>
+                  </a:rPr>
                   <a:t>w</a:t>
                 </a:r>
                 <a:r>
-                  <a:rPr lang="en-US" dirty="0"/>
+                  <a:rPr lang="en-US" dirty="0">
+                    <a:highlight>
+                      <a:srgbClr val="FFFF00"/>
+                    </a:highlight>
+                  </a:rPr>
                   <a:t>), use chain rule and make an independence assumption</a:t>
                 </a:r>
               </a:p>
@@ -14926,7 +14938,11 @@
               </a:p>
               <a:p>
                 <a:r>
-                  <a:rPr lang="en-US" dirty="0"/>
+                  <a:rPr lang="en-US" dirty="0">
+                    <a:highlight>
+                      <a:srgbClr val="FFFF00"/>
+                    </a:highlight>
+                  </a:rPr>
                   <a:t>Then estimate each trigram probability from data (here, using MLE)</a:t>
                 </a:r>
               </a:p>
@@ -15303,7 +15319,7 @@
             </p:txBody>
           </p:sp>
         </mc:Choice>
-        <mc:Fallback xmlns="">
+        <mc:Fallback>
           <p:sp>
             <p:nvSpPr>
               <p:cNvPr id="3" name="Content Placeholder 2"/>
@@ -15315,10 +15331,10 @@
               </p:nvPr>
             </p:nvSpPr>
             <p:spPr>
-              <a:blipFill rotWithShape="0">
+              <a:blipFill>
                 <a:blip r:embed="rId2"/>
                 <a:stretch>
-                  <a:fillRect l="-1043" t="-2241"/>
+                  <a:fillRect l="-965" t="-2632"/>
                 </a:stretch>
               </a:blipFill>
             </p:spPr>
@@ -16145,8 +16161,8 @@
           </a:p>
         </p:txBody>
       </p:sp>
-      <mc:AlternateContent xmlns:mc="http://schemas.openxmlformats.org/markup-compatibility/2006" xmlns:a14="http://schemas.microsoft.com/office/drawing/2010/main">
-        <mc:Choice Requires="a14">
+      <mc:AlternateContent xmlns:mc="http://schemas.openxmlformats.org/markup-compatibility/2006">
+        <mc:Choice xmlns:a14="http://schemas.microsoft.com/office/drawing/2010/main" Requires="a14">
           <p:sp>
             <p:nvSpPr>
               <p:cNvPr id="3" name="Content Placeholder 2"/>
@@ -16164,7 +16180,19 @@
               <a:p>
                 <a:r>
                   <a:rPr lang="en-US" dirty="0"/>
-                  <a:t>To capture behavior at beginning/end of sequences, we can augment the input:</a:t>
+                  <a:t>To capture behavior at beginning/end of sequences, </a:t>
+                </a:r>
+                <a:r>
+                  <a:rPr lang="en-US" dirty="0">
+                    <a:highlight>
+                      <a:srgbClr val="FFFF00"/>
+                    </a:highlight>
+                  </a:rPr>
+                  <a:t>we can augment the input</a:t>
+                </a:r>
+                <a:r>
+                  <a:rPr lang="en-US" dirty="0"/>
+                  <a:t>:</a:t>
                 </a:r>
                 <a:br>
                   <a:rPr lang="en-US" dirty="0"/>
@@ -16428,7 +16456,7 @@
             </p:txBody>
           </p:sp>
         </mc:Choice>
-        <mc:Fallback xmlns="">
+        <mc:Fallback>
           <p:sp>
             <p:nvSpPr>
               <p:cNvPr id="3" name="Content Placeholder 2"/>
@@ -16440,10 +16468,10 @@
               </p:nvPr>
             </p:nvSpPr>
             <p:spPr>
-              <a:blipFill rotWithShape="0">
+              <a:blipFill>
                 <a:blip r:embed="rId2"/>
                 <a:stretch>
-                  <a:fillRect l="-1043" t="-2241" r="-580"/>
+                  <a:fillRect l="-965" t="-2632" r="-483"/>
                 </a:stretch>
               </a:blipFill>
             </p:spPr>
@@ -17839,7 +17867,11 @@
           <a:lstStyle/>
           <a:p>
             <a:r>
-              <a:rPr lang="en-US" dirty="0"/>
+              <a:rPr lang="en-US" dirty="0">
+                <a:highlight>
+                  <a:srgbClr val="FFFF00"/>
+                </a:highlight>
+              </a:rPr>
               <a:t>Alternatively, we could model all sentences as one (very long) sequence, including punctuation</a:t>
             </a:r>
           </a:p>
@@ -17875,15 +17907,35 @@
           <a:p>
             <a:r>
               <a:rPr lang="en-US" dirty="0"/>
-              <a:t>Here, all tokens are lowercased. What are the pros/cons of </a:t>
-            </a:r>
-            <a:r>
-              <a:rPr lang="en-US" u="sng" dirty="0"/>
+              <a:t>Here, all tokens are lowercased. </a:t>
+            </a:r>
+            <a:r>
+              <a:rPr lang="en-US" dirty="0">
+                <a:highlight>
+                  <a:srgbClr val="FFFF00"/>
+                </a:highlight>
+              </a:rPr>
+              <a:t>What are the pros/cons of </a:t>
+            </a:r>
+            <a:r>
+              <a:rPr lang="en-US" u="sng" dirty="0">
+                <a:highlight>
+                  <a:srgbClr val="FFFF00"/>
+                </a:highlight>
+              </a:rPr>
               <a:t>not</a:t>
             </a:r>
             <a:r>
+              <a:rPr lang="en-US" dirty="0">
+                <a:highlight>
+                  <a:srgbClr val="FFFF00"/>
+                </a:highlight>
+              </a:rPr>
+              <a:t> doing that</a:t>
+            </a:r>
+            <a:r>
               <a:rPr lang="en-US" dirty="0"/>
-              <a:t> doing that?</a:t>
+              <a:t>?</a:t>
             </a:r>
           </a:p>
         </p:txBody>
@@ -18213,12 +18265,24 @@
               <a:t>So in practice, we typically use </a:t>
             </a:r>
             <a:r>
-              <a:rPr lang="en-US" u="sng" dirty="0"/>
+              <a:rPr lang="en-US" u="sng" dirty="0">
+                <a:highlight>
+                  <a:srgbClr val="FFFF00"/>
+                </a:highlight>
+              </a:rPr>
               <a:t>log probabilities</a:t>
             </a:r>
             <a:r>
+              <a:rPr lang="en-US" dirty="0">
+                <a:highlight>
+                  <a:srgbClr val="FFFF00"/>
+                </a:highlight>
+              </a:rPr>
+              <a:t> </a:t>
+            </a:r>
+            <a:r>
               <a:rPr lang="en-US" dirty="0"/>
-              <a:t> (usually base-e)</a:t>
+              <a:t>(usually base-e)</a:t>
             </a:r>
           </a:p>
           <a:p>
@@ -18762,42 +18826,74 @@
           </a:p>
           <a:p>
             <a:r>
+              <a:rPr lang="en-US" dirty="0">
+                <a:highlight>
+                  <a:srgbClr val="FFFF00"/>
+                </a:highlight>
+              </a:rPr>
+              <a:t>We can never know the true probability, but we may be able to estimate it from corpus data</a:t>
+            </a:r>
+            <a:r>
               <a:rPr lang="en-US" dirty="0"/>
-              <a:t>We can never know the true probability, but we may be able to estimate it from corpus data.</a:t>
-            </a:r>
-          </a:p>
-          <a:p>
-            <a:r>
-              <a:rPr lang="en-US" dirty="0"/>
+              <a:t>.</a:t>
+            </a:r>
+          </a:p>
+          <a:p>
+            <a:r>
+              <a:rPr lang="en-US" dirty="0">
+                <a:highlight>
+                  <a:srgbClr val="FFFF00"/>
+                </a:highlight>
+              </a:rPr>
               <a:t>N-gram models are one way to do this:</a:t>
             </a:r>
           </a:p>
           <a:p>
             <a:pPr lvl="1"/>
             <a:r>
-              <a:rPr lang="en-US" dirty="0"/>
+              <a:rPr lang="en-US" dirty="0">
+                <a:highlight>
+                  <a:srgbClr val="FFFF00"/>
+                </a:highlight>
+              </a:rPr>
               <a:t>To alleviate sparse data, assume word </a:t>
             </a:r>
             <a:r>
-              <a:rPr lang="en-US" dirty="0" err="1"/>
+              <a:rPr lang="en-US" dirty="0" err="1">
+                <a:highlight>
+                  <a:srgbClr val="FFFF00"/>
+                </a:highlight>
+              </a:rPr>
               <a:t>probs</a:t>
             </a:r>
             <a:r>
-              <a:rPr lang="en-US" dirty="0"/>
+              <a:rPr lang="en-US" dirty="0">
+                <a:highlight>
+                  <a:srgbClr val="FFFF00"/>
+                </a:highlight>
+              </a:rPr>
               <a:t> depend only on short history</a:t>
             </a:r>
           </a:p>
           <a:p>
             <a:pPr lvl="1"/>
             <a:r>
-              <a:rPr lang="en-US" dirty="0"/>
+              <a:rPr lang="en-US" dirty="0">
+                <a:highlight>
+                  <a:srgbClr val="FFFF00"/>
+                </a:highlight>
+              </a:rPr>
               <a:t>Tradeoff: longer histories may capture more, but are also sparser</a:t>
             </a:r>
           </a:p>
           <a:p>
             <a:pPr lvl="1"/>
             <a:r>
-              <a:rPr lang="en-US" dirty="0"/>
+              <a:rPr lang="en-US" dirty="0">
+                <a:highlight>
+                  <a:srgbClr val="FFFF00"/>
+                </a:highlight>
+              </a:rPr>
               <a:t>So far, we estimated N-gram probabilities using MLE</a:t>
             </a:r>
           </a:p>
@@ -20154,7 +20250,11 @@
           <a:lstStyle/>
           <a:p>
             <a:r>
-              <a:rPr lang="en-US" dirty="0"/>
+              <a:rPr lang="en-US" dirty="0">
+                <a:highlight>
+                  <a:srgbClr val="FFFF00"/>
+                </a:highlight>
+              </a:rPr>
               <a:t>For parsing, tagging, sentiment, etc. it was fairly clear how to evaluate: Hold a set of labeled data out and see how often your model gets it right</a:t>
             </a:r>
           </a:p>
@@ -20187,21 +20287,33 @@
           </a:p>
           <a:p>
             <a:r>
-              <a:rPr lang="en-US" dirty="0"/>
+              <a:rPr lang="en-US" dirty="0">
+                <a:highlight>
+                  <a:srgbClr val="FFFF00"/>
+                </a:highlight>
+              </a:rPr>
               <a:t>Ideally we want a regression evaluation</a:t>
             </a:r>
           </a:p>
           <a:p>
             <a:pPr lvl="1"/>
             <a:r>
-              <a:rPr lang="en-US" dirty="0"/>
+              <a:rPr lang="en-US" dirty="0">
+                <a:highlight>
+                  <a:srgbClr val="FFFF00"/>
+                </a:highlight>
+              </a:rPr>
               <a:t>Given a sentence, how close is the model probability to the true probability</a:t>
             </a:r>
           </a:p>
           <a:p>
             <a:pPr lvl="1"/>
             <a:r>
-              <a:rPr lang="en-US" dirty="0"/>
+              <a:rPr lang="en-US" dirty="0">
+                <a:highlight>
+                  <a:srgbClr val="FFFF00"/>
+                </a:highlight>
+              </a:rPr>
               <a:t>But we don't know the true probability of a sentence!</a:t>
             </a:r>
           </a:p>
@@ -20594,8 +20706,8 @@
           </a:p>
         </p:txBody>
       </p:sp>
-      <mc:AlternateContent xmlns:mc="http://schemas.openxmlformats.org/markup-compatibility/2006" xmlns:a14="http://schemas.microsoft.com/office/drawing/2010/main">
-        <mc:Choice Requires="a14">
+      <mc:AlternateContent xmlns:mc="http://schemas.openxmlformats.org/markup-compatibility/2006">
+        <mc:Choice xmlns:a14="http://schemas.microsoft.com/office/drawing/2010/main" Requires="a14">
           <p:sp>
             <p:nvSpPr>
               <p:cNvPr id="3" name="Content Placeholder 2"/>
@@ -20614,8 +20726,16 @@
               <a:lstStyle/>
               <a:p>
                 <a:r>
+                  <a:rPr lang="en-US" dirty="0">
+                    <a:highlight>
+                      <a:srgbClr val="FFFF00"/>
+                    </a:highlight>
+                  </a:rPr>
+                  <a:t>Assume that you have a proper probability model, i.e. for all sentences S in the language L</a:t>
+                </a:r>
+                <a:r>
                   <a:rPr lang="en-US" dirty="0"/>
-                  <a:t>Assume that you have a proper probability model, i.e. for all sentences S in the language L, </a:t>
+                  <a:t>, </a:t>
                 </a:r>
                 <a14:m>
                   <m:oMath xmlns:m="http://schemas.openxmlformats.org/officeDocument/2006/math">
@@ -20693,7 +20813,11 @@
               </a:p>
               <a:p>
                 <a:r>
-                  <a:rPr lang="en-US" dirty="0"/>
+                  <a:rPr lang="en-US" dirty="0">
+                    <a:highlight>
+                      <a:srgbClr val="FFFF00"/>
+                    </a:highlight>
+                  </a:rPr>
                   <a:t>Then take a held-out test corpus T consisting of sentences in the language you care about</a:t>
                 </a:r>
               </a:p>
@@ -20768,12 +20892,28 @@
                 </a14:m>
                 <a:r>
                   <a:rPr lang="en-US" dirty="0"/>
-                  <a:t> should be as high as possible; model should think each sentence is a good one</a:t>
+                  <a:t> </a:t>
+                </a:r>
+                <a:r>
+                  <a:rPr lang="en-US" dirty="0">
+                    <a:highlight>
+                      <a:srgbClr val="FFFF00"/>
+                    </a:highlight>
+                  </a:rPr>
+                  <a:t>should be as high as possible; </a:t>
+                </a:r>
+                <a:r>
+                  <a:rPr lang="en-US" dirty="0"/>
+                  <a:t>model should think each sentence is a good one</a:t>
                 </a:r>
               </a:p>
               <a:p>
                 <a:r>
-                  <a:rPr lang="en-US" dirty="0"/>
+                  <a:rPr lang="en-US" dirty="0">
+                    <a:highlight>
+                      <a:srgbClr val="FFFF00"/>
+                    </a:highlight>
+                  </a:rPr>
                   <a:t>Let's be explicit about evaluating each word in each sentence</a:t>
                 </a:r>
               </a:p>
@@ -20913,7 +21053,11 @@
               </a:p>
               <a:p>
                 <a:r>
-                  <a:rPr lang="en-US" dirty="0"/>
+                  <a:rPr lang="en-US" dirty="0">
+                    <a:highlight>
+                      <a:srgbClr val="FFFF00"/>
+                    </a:highlight>
+                  </a:rPr>
                   <a:t>Collapse all these words into one big 'sentence' N:</a:t>
                 </a:r>
               </a:p>
@@ -20995,7 +21139,7 @@
             </p:txBody>
           </p:sp>
         </mc:Choice>
-        <mc:Fallback xmlns="">
+        <mc:Fallback>
           <p:sp>
             <p:nvSpPr>
               <p:cNvPr id="3" name="Content Placeholder 2"/>
@@ -21007,10 +21151,10 @@
               </p:nvPr>
             </p:nvSpPr>
             <p:spPr>
-              <a:blipFill rotWithShape="0">
+              <a:blipFill>
                 <a:blip r:embed="rId2"/>
                 <a:stretch>
-                  <a:fillRect l="-1043" t="-3081" b="-14986"/>
+                  <a:fillRect l="-3016" t="-9942" b="-15497"/>
                 </a:stretch>
               </a:blipFill>
             </p:spPr>
@@ -21421,8 +21565,8 @@
           </a:p>
         </p:txBody>
       </p:sp>
-      <mc:AlternateContent xmlns:mc="http://schemas.openxmlformats.org/markup-compatibility/2006" xmlns:a14="http://schemas.microsoft.com/office/drawing/2010/main">
-        <mc:Choice Requires="a14">
+      <mc:AlternateContent xmlns:mc="http://schemas.openxmlformats.org/markup-compatibility/2006">
+        <mc:Choice xmlns:a14="http://schemas.microsoft.com/office/drawing/2010/main" Requires="a14">
           <p:sp>
             <p:nvSpPr>
               <p:cNvPr id="3" name="Content Placeholder 2"/>
@@ -21507,13 +21651,41 @@
                 </a14:m>
                 <a:r>
                   <a:rPr lang="en-US" dirty="0"/>
-                  <a:t> is going to result in underflow. Ok, let's use logs again!</a:t>
+                  <a:t> </a:t>
+                </a:r>
+                <a:r>
+                  <a:rPr lang="en-US" dirty="0">
+                    <a:highlight>
+                      <a:srgbClr val="FFFF00"/>
+                    </a:highlight>
+                  </a:rPr>
+                  <a:t>is going to result in underflow</a:t>
+                </a:r>
+                <a:r>
+                  <a:rPr lang="en-US" dirty="0"/>
+                  <a:t>. </a:t>
+                </a:r>
+                <a:r>
+                  <a:rPr lang="en-US" dirty="0">
+                    <a:highlight>
+                      <a:srgbClr val="FFFF00"/>
+                    </a:highlight>
+                  </a:rPr>
+                  <a:t>Ok, let's use logs again!</a:t>
                 </a:r>
               </a:p>
               <a:p>
                 <a:r>
+                  <a:rPr lang="en-US" dirty="0">
+                    <a:highlight>
+                      <a:srgbClr val="FFFF00"/>
+                    </a:highlight>
+                  </a:rPr>
+                  <a:t>Also we tend to like positive sums</a:t>
+                </a:r>
+                <a:r>
                   <a:rPr lang="en-US" dirty="0"/>
-                  <a:t>Also we tend to like positive sums.</a:t>
+                  <a:t>.</a:t>
                 </a:r>
               </a:p>
               <a:p>
@@ -21638,8 +21810,16 @@
               </a:p>
               <a:p>
                 <a:r>
+                  <a:rPr lang="en-US" dirty="0">
+                    <a:highlight>
+                      <a:srgbClr val="FFFF00"/>
+                    </a:highlight>
+                  </a:rPr>
+                  <a:t>This can be tough to compare against corpora of different length</a:t>
+                </a:r>
+                <a:r>
                   <a:rPr lang="en-US" dirty="0"/>
-                  <a:t>This can be tough to compare against corpora of different length (or sentences of different length), so normalize by the number of </a:t>
+                  <a:t> (or sentences of different length), so normalize by the number of </a:t>
                 </a:r>
                 <a:r>
                   <a:rPr lang="en-US" u="sng" dirty="0"/>
@@ -21785,20 +21965,40 @@
                 </a:r>
                 <a:r>
                   <a:rPr lang="en-US" dirty="0"/>
-                  <a:t> of the data according to the model</a:t>
+                  <a:t> </a:t>
+                </a:r>
+                <a:r>
+                  <a:rPr lang="en-US" dirty="0">
+                    <a:highlight>
+                      <a:srgbClr val="FFFF00"/>
+                    </a:highlight>
+                  </a:rPr>
+                  <a:t>of the data according to the model</a:t>
                 </a:r>
               </a:p>
               <a:p>
                 <a:r>
-                  <a:rPr lang="en-US" dirty="0"/>
+                  <a:rPr lang="en-US" dirty="0">
+                    <a:highlight>
+                      <a:srgbClr val="FFFF00"/>
+                    </a:highlight>
+                  </a:rPr>
                   <a:t>When comparing models, differences between these numbers tend to be pretty small, so we </a:t>
                 </a:r>
                 <a:r>
-                  <a:rPr lang="en-US" dirty="0" err="1"/>
+                  <a:rPr lang="en-US" dirty="0" err="1">
+                    <a:highlight>
+                      <a:srgbClr val="FFFF00"/>
+                    </a:highlight>
+                  </a:rPr>
                   <a:t>exponentiate</a:t>
                 </a:r>
                 <a:r>
-                  <a:rPr lang="en-US" dirty="0"/>
+                  <a:rPr lang="en-US" dirty="0">
+                    <a:highlight>
+                      <a:srgbClr val="FFFF00"/>
+                    </a:highlight>
+                  </a:rPr>
                   <a:t> </a:t>
                 </a:r>
               </a:p>
@@ -21976,7 +22176,7 @@
             </p:txBody>
           </p:sp>
         </mc:Choice>
-        <mc:Fallback xmlns="">
+        <mc:Fallback>
           <p:sp>
             <p:nvSpPr>
               <p:cNvPr id="3" name="Content Placeholder 2"/>
@@ -21988,10 +22188,10 @@
               </p:nvPr>
             </p:nvSpPr>
             <p:spPr>
-              <a:blipFill rotWithShape="0">
+              <a:blipFill>
                 <a:blip r:embed="rId2"/>
                 <a:stretch>
-                  <a:fillRect l="-928" t="-2801" b="-1261"/>
+                  <a:fillRect l="-2654" t="-16959" b="-1170"/>
                 </a:stretch>
               </a:blipFill>
             </p:spPr>
@@ -22508,15 +22708,7 @@
           <a:p>
             <a:r>
               <a:rPr lang="en-US" dirty="0"/>
-              <a:t>If you </a:t>
-            </a:r>
-            <a:r>
-              <a:rPr lang="en-US" dirty="0" err="1"/>
-              <a:t>overfit</a:t>
-            </a:r>
-            <a:r>
-              <a:rPr lang="en-US" dirty="0"/>
-              <a:t> your training corpus so that P(train) = 1, then Perplexity on train is 0</a:t>
+              <a:t>If you overfit your training corpus so that P(train) = 1, then Perplexity on train is 1</a:t>
             </a:r>
           </a:p>
           <a:p>
@@ -23020,7 +23212,11 @@
           <a:lstStyle/>
           <a:p>
             <a:r>
-              <a:rPr lang="en-US" dirty="0"/>
+              <a:rPr lang="en-US" dirty="0">
+                <a:highlight>
+                  <a:srgbClr val="FFFF00"/>
+                </a:highlight>
+              </a:rPr>
               <a:t>Lower Perplexity is better</a:t>
             </a:r>
           </a:p>
@@ -26030,16 +26226,32 @@
           </a:p>
           <a:p>
             <a:r>
+              <a:rPr lang="en-US" dirty="0">
+                <a:highlight>
+                  <a:srgbClr val="FFFF00"/>
+                </a:highlight>
+              </a:rPr>
+              <a:t>Language models (LMs) are very useful whenever we are </a:t>
+            </a:r>
+            <a:r>
+              <a:rPr lang="en-US" u="sng" dirty="0">
+                <a:highlight>
+                  <a:srgbClr val="FFFF00"/>
+                </a:highlight>
+              </a:rPr>
+              <a:t>generating</a:t>
+            </a:r>
+            <a:r>
+              <a:rPr lang="en-US" dirty="0">
+                <a:highlight>
+                  <a:srgbClr val="FFFF00"/>
+                </a:highlight>
+              </a:rPr>
+              <a:t> outpu</a:t>
+            </a:r>
+            <a:r>
               <a:rPr lang="en-US" dirty="0"/>
-              <a:t>Language models (LMs) are very useful whenever we are </a:t>
-            </a:r>
-            <a:r>
-              <a:rPr lang="en-US" u="sng" dirty="0"/>
-              <a:t>generating</a:t>
-            </a:r>
-            <a:r>
-              <a:rPr lang="en-US" dirty="0"/>
-              <a:t> output</a:t>
+              <a:t>t</a:t>
             </a:r>
           </a:p>
           <a:p>
@@ -26086,7 +26298,11 @@
           <a:p>
             <a:pPr lvl="1"/>
             <a:r>
-              <a:rPr lang="en-US" dirty="0" err="1"/>
+              <a:rPr lang="en-US" dirty="0" err="1">
+                <a:highlight>
+                  <a:srgbClr val="FFFF00"/>
+                </a:highlight>
+              </a:rPr>
               <a:t>KenLM</a:t>
             </a:r>
             <a:r>

--- a/lm_0921.pptx
+++ b/lm_0921.pptx
@@ -241,7 +241,7 @@
           <a:p>
             <a:fld id="{68265C1B-055B-4A49-AE97-4C86D4DA142B}" type="datetimeFigureOut">
               <a:rPr lang="en-US" smtClean="0"/>
-              <a:t>9/21/18</a:t>
+              <a:t>9/26/18</a:t>
             </a:fld>
             <a:endParaRPr lang="en-US"/>
           </a:p>
@@ -814,7 +814,7 @@
           <a:p>
             <a:fld id="{A3AB679D-0E79-3349-9F9F-0060ED997CE8}" type="datetimeFigureOut">
               <a:rPr lang="en-US" smtClean="0"/>
-              <a:t>9/21/18</a:t>
+              <a:t>9/26/18</a:t>
             </a:fld>
             <a:endParaRPr lang="en-US"/>
           </a:p>
@@ -982,7 +982,7 @@
           <a:p>
             <a:fld id="{A3AB679D-0E79-3349-9F9F-0060ED997CE8}" type="datetimeFigureOut">
               <a:rPr lang="en-US" smtClean="0"/>
-              <a:t>9/21/18</a:t>
+              <a:t>9/26/18</a:t>
             </a:fld>
             <a:endParaRPr lang="en-US"/>
           </a:p>
@@ -1160,7 +1160,7 @@
           <a:p>
             <a:fld id="{A3AB679D-0E79-3349-9F9F-0060ED997CE8}" type="datetimeFigureOut">
               <a:rPr lang="en-US" smtClean="0"/>
-              <a:t>9/21/18</a:t>
+              <a:t>9/26/18</a:t>
             </a:fld>
             <a:endParaRPr lang="en-US"/>
           </a:p>
@@ -1328,7 +1328,7 @@
           <a:p>
             <a:fld id="{A3AB679D-0E79-3349-9F9F-0060ED997CE8}" type="datetimeFigureOut">
               <a:rPr lang="en-US" smtClean="0"/>
-              <a:t>9/21/18</a:t>
+              <a:t>9/26/18</a:t>
             </a:fld>
             <a:endParaRPr lang="en-US"/>
           </a:p>
@@ -1573,7 +1573,7 @@
           <a:p>
             <a:fld id="{A3AB679D-0E79-3349-9F9F-0060ED997CE8}" type="datetimeFigureOut">
               <a:rPr lang="en-US" smtClean="0"/>
-              <a:t>9/21/18</a:t>
+              <a:t>9/26/18</a:t>
             </a:fld>
             <a:endParaRPr lang="en-US"/>
           </a:p>
@@ -1802,7 +1802,7 @@
           <a:p>
             <a:fld id="{A3AB679D-0E79-3349-9F9F-0060ED997CE8}" type="datetimeFigureOut">
               <a:rPr lang="en-US" smtClean="0"/>
-              <a:t>9/21/18</a:t>
+              <a:t>9/26/18</a:t>
             </a:fld>
             <a:endParaRPr lang="en-US"/>
           </a:p>
@@ -2166,7 +2166,7 @@
           <a:p>
             <a:fld id="{A3AB679D-0E79-3349-9F9F-0060ED997CE8}" type="datetimeFigureOut">
               <a:rPr lang="en-US" smtClean="0"/>
-              <a:t>9/21/18</a:t>
+              <a:t>9/26/18</a:t>
             </a:fld>
             <a:endParaRPr lang="en-US"/>
           </a:p>
@@ -2283,7 +2283,7 @@
           <a:p>
             <a:fld id="{A3AB679D-0E79-3349-9F9F-0060ED997CE8}" type="datetimeFigureOut">
               <a:rPr lang="en-US" smtClean="0"/>
-              <a:t>9/21/18</a:t>
+              <a:t>9/26/18</a:t>
             </a:fld>
             <a:endParaRPr lang="en-US"/>
           </a:p>
@@ -2378,7 +2378,7 @@
           <a:p>
             <a:fld id="{A3AB679D-0E79-3349-9F9F-0060ED997CE8}" type="datetimeFigureOut">
               <a:rPr lang="en-US" smtClean="0"/>
-              <a:t>9/21/18</a:t>
+              <a:t>9/26/18</a:t>
             </a:fld>
             <a:endParaRPr lang="en-US"/>
           </a:p>
@@ -2653,7 +2653,7 @@
           <a:p>
             <a:fld id="{A3AB679D-0E79-3349-9F9F-0060ED997CE8}" type="datetimeFigureOut">
               <a:rPr lang="en-US" smtClean="0"/>
-              <a:t>9/21/18</a:t>
+              <a:t>9/26/18</a:t>
             </a:fld>
             <a:endParaRPr lang="en-US"/>
           </a:p>
@@ -2905,7 +2905,7 @@
           <a:p>
             <a:fld id="{A3AB679D-0E79-3349-9F9F-0060ED997CE8}" type="datetimeFigureOut">
               <a:rPr lang="en-US" smtClean="0"/>
-              <a:t>9/21/18</a:t>
+              <a:t>9/26/18</a:t>
             </a:fld>
             <a:endParaRPr lang="en-US"/>
           </a:p>
@@ -3116,7 +3116,7 @@
           <a:p>
             <a:fld id="{A3AB679D-0E79-3349-9F9F-0060ED997CE8}" type="datetimeFigureOut">
               <a:rPr lang="en-US" smtClean="0"/>
-              <a:t>9/21/18</a:t>
+              <a:t>9/26/18</a:t>
             </a:fld>
             <a:endParaRPr lang="en-US"/>
           </a:p>
@@ -10863,8 +10863,8 @@
           </a:p>
         </p:txBody>
       </p:sp>
-      <mc:AlternateContent xmlns:mc="http://schemas.openxmlformats.org/markup-compatibility/2006">
-        <mc:Choice xmlns:a14="http://schemas.microsoft.com/office/drawing/2010/main" Requires="a14">
+      <mc:AlternateContent xmlns:mc="http://schemas.openxmlformats.org/markup-compatibility/2006" xmlns:a14="http://schemas.microsoft.com/office/drawing/2010/main">
+        <mc:Choice Requires="a14">
           <p:sp>
             <p:nvSpPr>
               <p:cNvPr id="3" name="Content Placeholder 2"/>
@@ -11248,7 +11248,7 @@
             </p:txBody>
           </p:sp>
         </mc:Choice>
-        <mc:Fallback>
+        <mc:Fallback xmlns="">
           <p:sp>
             <p:nvSpPr>
               <p:cNvPr id="3" name="Content Placeholder 2"/>
@@ -11745,8 +11745,8 @@
           </a:p>
         </p:txBody>
       </p:sp>
-      <mc:AlternateContent xmlns:mc="http://schemas.openxmlformats.org/markup-compatibility/2006">
-        <mc:Choice xmlns:a14="http://schemas.microsoft.com/office/drawing/2010/main" Requires="a14">
+      <mc:AlternateContent xmlns:mc="http://schemas.openxmlformats.org/markup-compatibility/2006" xmlns:a14="http://schemas.microsoft.com/office/drawing/2010/main">
+        <mc:Choice Requires="a14">
           <p:sp>
             <p:nvSpPr>
               <p:cNvPr id="3" name="Content Placeholder 2"/>
@@ -12626,7 +12626,7 @@
             </p:txBody>
           </p:sp>
         </mc:Choice>
-        <mc:Fallback>
+        <mc:Fallback xmlns="">
           <p:sp>
             <p:nvSpPr>
               <p:cNvPr id="3" name="Content Placeholder 2"/>
@@ -13238,8 +13238,8 @@
           </a:p>
         </p:txBody>
       </p:sp>
-      <mc:AlternateContent xmlns:mc="http://schemas.openxmlformats.org/markup-compatibility/2006">
-        <mc:Choice xmlns:a14="http://schemas.microsoft.com/office/drawing/2010/main" Requires="a14">
+      <mc:AlternateContent xmlns:mc="http://schemas.openxmlformats.org/markup-compatibility/2006" xmlns:a14="http://schemas.microsoft.com/office/drawing/2010/main">
+        <mc:Choice Requires="a14">
           <p:sp>
             <p:nvSpPr>
               <p:cNvPr id="3" name="Content Placeholder 2"/>
@@ -13655,7 +13655,7 @@
             </p:txBody>
           </p:sp>
         </mc:Choice>
-        <mc:Fallback>
+        <mc:Fallback xmlns="">
           <p:sp>
             <p:nvSpPr>
               <p:cNvPr id="3" name="Content Placeholder 2"/>
@@ -14341,15 +14341,27 @@
               <a:lstStyle/>
               <a:p>
                 <a:r>
-                  <a:rPr lang="en-US" dirty="0"/>
+                  <a:rPr lang="en-US" dirty="0">
+                    <a:highlight>
+                      <a:srgbClr val="FFFF00"/>
+                    </a:highlight>
+                  </a:rPr>
                   <a:t>To estimate P(</a:t>
                 </a:r>
                 <a:r>
-                  <a:rPr lang="en-US" b="1" dirty="0"/>
+                  <a:rPr lang="en-US" b="1" dirty="0">
+                    <a:highlight>
+                      <a:srgbClr val="FFFF00"/>
+                    </a:highlight>
+                  </a:rPr>
                   <a:t>w</a:t>
                 </a:r>
                 <a:r>
-                  <a:rPr lang="en-US" dirty="0"/>
+                  <a:rPr lang="en-US" dirty="0">
+                    <a:highlight>
+                      <a:srgbClr val="FFFF00"/>
+                    </a:highlight>
+                  </a:rPr>
                   <a:t>), use chain rule and make an independence assumption</a:t>
                 </a:r>
               </a:p>
@@ -14926,7 +14938,11 @@
               </a:p>
               <a:p>
                 <a:r>
-                  <a:rPr lang="en-US" dirty="0"/>
+                  <a:rPr lang="en-US" dirty="0">
+                    <a:highlight>
+                      <a:srgbClr val="FFFF00"/>
+                    </a:highlight>
+                  </a:rPr>
                   <a:t>Then estimate each trigram probability from data (here, using MLE)</a:t>
                 </a:r>
               </a:p>
@@ -15315,10 +15331,10 @@
               </p:nvPr>
             </p:nvSpPr>
             <p:spPr>
-              <a:blipFill rotWithShape="0">
+              <a:blipFill>
                 <a:blip r:embed="rId2"/>
                 <a:stretch>
-                  <a:fillRect l="-1043" t="-2241"/>
+                  <a:fillRect l="-965" t="-2632"/>
                 </a:stretch>
               </a:blipFill>
             </p:spPr>
@@ -16164,7 +16180,19 @@
               <a:p>
                 <a:r>
                   <a:rPr lang="en-US" dirty="0"/>
-                  <a:t>To capture behavior at beginning/end of sequences, we can augment the input:</a:t>
+                  <a:t>To capture behavior at beginning/end of sequences, </a:t>
+                </a:r>
+                <a:r>
+                  <a:rPr lang="en-US" dirty="0">
+                    <a:highlight>
+                      <a:srgbClr val="FFFF00"/>
+                    </a:highlight>
+                  </a:rPr>
+                  <a:t>we can augment the input</a:t>
+                </a:r>
+                <a:r>
+                  <a:rPr lang="en-US" dirty="0"/>
+                  <a:t>:</a:t>
                 </a:r>
                 <a:br>
                   <a:rPr lang="en-US" dirty="0"/>
@@ -16440,10 +16468,10 @@
               </p:nvPr>
             </p:nvSpPr>
             <p:spPr>
-              <a:blipFill rotWithShape="0">
+              <a:blipFill>
                 <a:blip r:embed="rId2"/>
                 <a:stretch>
-                  <a:fillRect l="-1043" t="-2241" r="-580"/>
+                  <a:fillRect l="-965" t="-2632" r="-483"/>
                 </a:stretch>
               </a:blipFill>
             </p:spPr>
@@ -17839,7 +17867,11 @@
           <a:lstStyle/>
           <a:p>
             <a:r>
-              <a:rPr lang="en-US" dirty="0"/>
+              <a:rPr lang="en-US" dirty="0">
+                <a:highlight>
+                  <a:srgbClr val="FFFF00"/>
+                </a:highlight>
+              </a:rPr>
               <a:t>Alternatively, we could model all sentences as one (very long) sequence, including punctuation</a:t>
             </a:r>
           </a:p>
@@ -17875,15 +17907,35 @@
           <a:p>
             <a:r>
               <a:rPr lang="en-US" dirty="0"/>
-              <a:t>Here, all tokens are lowercased. What are the pros/cons of </a:t>
-            </a:r>
-            <a:r>
-              <a:rPr lang="en-US" u="sng" dirty="0"/>
+              <a:t>Here, all tokens are lowercased. </a:t>
+            </a:r>
+            <a:r>
+              <a:rPr lang="en-US" dirty="0">
+                <a:highlight>
+                  <a:srgbClr val="FFFF00"/>
+                </a:highlight>
+              </a:rPr>
+              <a:t>What are the pros/cons of </a:t>
+            </a:r>
+            <a:r>
+              <a:rPr lang="en-US" u="sng" dirty="0">
+                <a:highlight>
+                  <a:srgbClr val="FFFF00"/>
+                </a:highlight>
+              </a:rPr>
               <a:t>not</a:t>
             </a:r>
             <a:r>
+              <a:rPr lang="en-US" dirty="0">
+                <a:highlight>
+                  <a:srgbClr val="FFFF00"/>
+                </a:highlight>
+              </a:rPr>
+              <a:t> doing that</a:t>
+            </a:r>
+            <a:r>
               <a:rPr lang="en-US" dirty="0"/>
-              <a:t> doing that?</a:t>
+              <a:t>?</a:t>
             </a:r>
           </a:p>
         </p:txBody>
@@ -18213,12 +18265,24 @@
               <a:t>So in practice, we typically use </a:t>
             </a:r>
             <a:r>
-              <a:rPr lang="en-US" u="sng" dirty="0"/>
+              <a:rPr lang="en-US" u="sng" dirty="0">
+                <a:highlight>
+                  <a:srgbClr val="FFFF00"/>
+                </a:highlight>
+              </a:rPr>
               <a:t>log probabilities</a:t>
             </a:r>
             <a:r>
+              <a:rPr lang="en-US" dirty="0">
+                <a:highlight>
+                  <a:srgbClr val="FFFF00"/>
+                </a:highlight>
+              </a:rPr>
+              <a:t> </a:t>
+            </a:r>
+            <a:r>
               <a:rPr lang="en-US" dirty="0"/>
-              <a:t> (usually base-e)</a:t>
+              <a:t>(usually base-e)</a:t>
             </a:r>
           </a:p>
           <a:p>
@@ -18762,42 +18826,74 @@
           </a:p>
           <a:p>
             <a:r>
+              <a:rPr lang="en-US" dirty="0">
+                <a:highlight>
+                  <a:srgbClr val="FFFF00"/>
+                </a:highlight>
+              </a:rPr>
+              <a:t>We can never know the true probability, but we may be able to estimate it from corpus data</a:t>
+            </a:r>
+            <a:r>
               <a:rPr lang="en-US" dirty="0"/>
-              <a:t>We can never know the true probability, but we may be able to estimate it from corpus data.</a:t>
-            </a:r>
-          </a:p>
-          <a:p>
-            <a:r>
-              <a:rPr lang="en-US" dirty="0"/>
+              <a:t>.</a:t>
+            </a:r>
+          </a:p>
+          <a:p>
+            <a:r>
+              <a:rPr lang="en-US" dirty="0">
+                <a:highlight>
+                  <a:srgbClr val="FFFF00"/>
+                </a:highlight>
+              </a:rPr>
               <a:t>N-gram models are one way to do this:</a:t>
             </a:r>
           </a:p>
           <a:p>
             <a:pPr lvl="1"/>
             <a:r>
-              <a:rPr lang="en-US" dirty="0"/>
+              <a:rPr lang="en-US" dirty="0">
+                <a:highlight>
+                  <a:srgbClr val="FFFF00"/>
+                </a:highlight>
+              </a:rPr>
               <a:t>To alleviate sparse data, assume word </a:t>
             </a:r>
             <a:r>
-              <a:rPr lang="en-US" dirty="0" err="1"/>
+              <a:rPr lang="en-US" dirty="0" err="1">
+                <a:highlight>
+                  <a:srgbClr val="FFFF00"/>
+                </a:highlight>
+              </a:rPr>
               <a:t>probs</a:t>
             </a:r>
             <a:r>
-              <a:rPr lang="en-US" dirty="0"/>
+              <a:rPr lang="en-US" dirty="0">
+                <a:highlight>
+                  <a:srgbClr val="FFFF00"/>
+                </a:highlight>
+              </a:rPr>
               <a:t> depend only on short history</a:t>
             </a:r>
           </a:p>
           <a:p>
             <a:pPr lvl="1"/>
             <a:r>
-              <a:rPr lang="en-US" dirty="0"/>
+              <a:rPr lang="en-US" dirty="0">
+                <a:highlight>
+                  <a:srgbClr val="FFFF00"/>
+                </a:highlight>
+              </a:rPr>
               <a:t>Tradeoff: longer histories may capture more, but are also sparser</a:t>
             </a:r>
           </a:p>
           <a:p>
             <a:pPr lvl="1"/>
             <a:r>
-              <a:rPr lang="en-US" dirty="0"/>
+              <a:rPr lang="en-US" dirty="0">
+                <a:highlight>
+                  <a:srgbClr val="FFFF00"/>
+                </a:highlight>
+              </a:rPr>
               <a:t>So far, we estimated N-gram probabilities using MLE</a:t>
             </a:r>
           </a:p>
@@ -20154,13 +20250,21 @@
           <a:lstStyle/>
           <a:p>
             <a:r>
-              <a:rPr lang="en-US" dirty="0"/>
+              <a:rPr lang="en-US" dirty="0">
+                <a:highlight>
+                  <a:srgbClr val="FFFF00"/>
+                </a:highlight>
+              </a:rPr>
               <a:t>For parsing, tagging, sentiment, etc. it was fairly clear how to evaluate: Hold a set of labeled data out and see how often your model gets it right</a:t>
             </a:r>
           </a:p>
           <a:p>
             <a:r>
-              <a:rPr lang="en-US" dirty="0"/>
+              <a:rPr lang="en-US" dirty="0">
+                <a:highlight>
+                  <a:srgbClr val="FFFF00"/>
+                </a:highlight>
+              </a:rPr>
               <a:t>For LM, it's not quite so clear</a:t>
             </a:r>
           </a:p>
@@ -20187,21 +20291,33 @@
           </a:p>
           <a:p>
             <a:r>
-              <a:rPr lang="en-US" dirty="0"/>
+              <a:rPr lang="en-US" dirty="0">
+                <a:highlight>
+                  <a:srgbClr val="FFFF00"/>
+                </a:highlight>
+              </a:rPr>
               <a:t>Ideally we want a regression evaluation</a:t>
             </a:r>
           </a:p>
           <a:p>
             <a:pPr lvl="1"/>
             <a:r>
-              <a:rPr lang="en-US" dirty="0"/>
+              <a:rPr lang="en-US" dirty="0">
+                <a:highlight>
+                  <a:srgbClr val="FFFF00"/>
+                </a:highlight>
+              </a:rPr>
               <a:t>Given a sentence, how close is the model probability to the true probability</a:t>
             </a:r>
           </a:p>
           <a:p>
             <a:pPr lvl="1"/>
             <a:r>
-              <a:rPr lang="en-US" dirty="0"/>
+              <a:rPr lang="en-US" dirty="0">
+                <a:highlight>
+                  <a:srgbClr val="FFFF00"/>
+                </a:highlight>
+              </a:rPr>
               <a:t>But we don't know the true probability of a sentence!</a:t>
             </a:r>
           </a:p>
@@ -20614,8 +20730,16 @@
               <a:lstStyle/>
               <a:p>
                 <a:r>
+                  <a:rPr lang="en-US" dirty="0">
+                    <a:highlight>
+                      <a:srgbClr val="FFFF00"/>
+                    </a:highlight>
+                  </a:rPr>
+                  <a:t>Assume that you have a proper probability model, i.e. for all sentences S in the language L</a:t>
+                </a:r>
+                <a:r>
                   <a:rPr lang="en-US" dirty="0"/>
-                  <a:t>Assume that you have a proper probability model, i.e. for all sentences S in the language L, </a:t>
+                  <a:t>, </a:t>
                 </a:r>
                 <a14:m>
                   <m:oMath xmlns:m="http://schemas.openxmlformats.org/officeDocument/2006/math">
@@ -20693,7 +20817,11 @@
               </a:p>
               <a:p>
                 <a:r>
-                  <a:rPr lang="en-US" dirty="0"/>
+                  <a:rPr lang="en-US" dirty="0">
+                    <a:highlight>
+                      <a:srgbClr val="FFFF00"/>
+                    </a:highlight>
+                  </a:rPr>
                   <a:t>Then take a held-out test corpus T consisting of sentences in the language you care about</a:t>
                 </a:r>
               </a:p>
@@ -20768,12 +20896,28 @@
                 </a14:m>
                 <a:r>
                   <a:rPr lang="en-US" dirty="0"/>
-                  <a:t> should be as high as possible; model should think each sentence is a good one</a:t>
+                  <a:t> </a:t>
+                </a:r>
+                <a:r>
+                  <a:rPr lang="en-US" dirty="0">
+                    <a:highlight>
+                      <a:srgbClr val="FFFF00"/>
+                    </a:highlight>
+                  </a:rPr>
+                  <a:t>should be as high as possible; </a:t>
+                </a:r>
+                <a:r>
+                  <a:rPr lang="en-US" dirty="0"/>
+                  <a:t>model should think each sentence is a good one</a:t>
                 </a:r>
               </a:p>
               <a:p>
                 <a:r>
-                  <a:rPr lang="en-US" dirty="0"/>
+                  <a:rPr lang="en-US" dirty="0">
+                    <a:highlight>
+                      <a:srgbClr val="FFFF00"/>
+                    </a:highlight>
+                  </a:rPr>
                   <a:t>Let's be explicit about evaluating each word in each sentence</a:t>
                 </a:r>
               </a:p>
@@ -20913,7 +21057,11 @@
               </a:p>
               <a:p>
                 <a:r>
-                  <a:rPr lang="en-US" dirty="0"/>
+                  <a:rPr lang="en-US" dirty="0">
+                    <a:highlight>
+                      <a:srgbClr val="FFFF00"/>
+                    </a:highlight>
+                  </a:rPr>
                   <a:t>Collapse all these words into one big 'sentence' N:</a:t>
                 </a:r>
               </a:p>
@@ -21007,10 +21155,10 @@
               </p:nvPr>
             </p:nvSpPr>
             <p:spPr>
-              <a:blipFill rotWithShape="0">
+              <a:blipFill>
                 <a:blip r:embed="rId2"/>
                 <a:stretch>
-                  <a:fillRect l="-1043" t="-3081" b="-14986"/>
+                  <a:fillRect l="-3016" t="-9942" b="-15497"/>
                 </a:stretch>
               </a:blipFill>
             </p:spPr>
@@ -21421,8 +21569,8 @@
           </a:p>
         </p:txBody>
       </p:sp>
-      <mc:AlternateContent xmlns:mc="http://schemas.openxmlformats.org/markup-compatibility/2006" xmlns:a14="http://schemas.microsoft.com/office/drawing/2010/main">
-        <mc:Choice Requires="a14">
+      <mc:AlternateContent xmlns:mc="http://schemas.openxmlformats.org/markup-compatibility/2006">
+        <mc:Choice xmlns:a14="http://schemas.microsoft.com/office/drawing/2010/main" Requires="a14">
           <p:sp>
             <p:nvSpPr>
               <p:cNvPr id="3" name="Content Placeholder 2"/>
@@ -21507,13 +21655,41 @@
                 </a14:m>
                 <a:r>
                   <a:rPr lang="en-US" dirty="0"/>
-                  <a:t> is going to result in underflow. Ok, let's use logs again!</a:t>
+                  <a:t> </a:t>
+                </a:r>
+                <a:r>
+                  <a:rPr lang="en-US" dirty="0">
+                    <a:highlight>
+                      <a:srgbClr val="FFFF00"/>
+                    </a:highlight>
+                  </a:rPr>
+                  <a:t>is going to result in underflow</a:t>
+                </a:r>
+                <a:r>
+                  <a:rPr lang="en-US" dirty="0"/>
+                  <a:t>. </a:t>
+                </a:r>
+                <a:r>
+                  <a:rPr lang="en-US" dirty="0">
+                    <a:highlight>
+                      <a:srgbClr val="FFFF00"/>
+                    </a:highlight>
+                  </a:rPr>
+                  <a:t>Ok, let's use logs again!</a:t>
                 </a:r>
               </a:p>
               <a:p>
                 <a:r>
+                  <a:rPr lang="en-US" dirty="0">
+                    <a:highlight>
+                      <a:srgbClr val="FFFF00"/>
+                    </a:highlight>
+                  </a:rPr>
+                  <a:t>Also we tend to like positive sums</a:t>
+                </a:r>
+                <a:r>
                   <a:rPr lang="en-US" dirty="0"/>
-                  <a:t>Also we tend to like positive sums.</a:t>
+                  <a:t>.</a:t>
                 </a:r>
               </a:p>
               <a:p>
@@ -21638,11 +21814,31 @@
               </a:p>
               <a:p>
                 <a:r>
-                  <a:rPr lang="en-US" dirty="0"/>
-                  <a:t>This can be tough to compare against corpora of different length (or sentences of different length), so normalize by the number of </a:t>
+                  <a:rPr lang="en-US" dirty="0">
+                    <a:highlight>
+                      <a:srgbClr val="FFFF00"/>
+                    </a:highlight>
+                  </a:rPr>
+                  <a:t>This can be tough to compare against corpora of different length</a:t>
                 </a:r>
                 <a:r>
-                  <a:rPr lang="en-US" u="sng" dirty="0"/>
+                  <a:rPr lang="en-US" dirty="0"/>
+                  <a:t> (or sentences of different length), </a:t>
+                </a:r>
+                <a:r>
+                  <a:rPr lang="en-US" dirty="0">
+                    <a:highlight>
+                      <a:srgbClr val="FFFF00"/>
+                    </a:highlight>
+                  </a:rPr>
+                  <a:t>so normalize by the number of </a:t>
+                </a:r>
+                <a:r>
+                  <a:rPr lang="en-US" u="sng" dirty="0">
+                    <a:highlight>
+                      <a:srgbClr val="FFFF00"/>
+                    </a:highlight>
+                  </a:rPr>
                   <a:t>words</a:t>
                 </a:r>
                 <a:r>
@@ -21785,20 +21981,40 @@
                 </a:r>
                 <a:r>
                   <a:rPr lang="en-US" dirty="0"/>
-                  <a:t> of the data according to the model</a:t>
+                  <a:t> </a:t>
+                </a:r>
+                <a:r>
+                  <a:rPr lang="en-US" dirty="0">
+                    <a:highlight>
+                      <a:srgbClr val="FFFF00"/>
+                    </a:highlight>
+                  </a:rPr>
+                  <a:t>of the data according to the model</a:t>
                 </a:r>
               </a:p>
               <a:p>
                 <a:r>
-                  <a:rPr lang="en-US" dirty="0"/>
+                  <a:rPr lang="en-US" dirty="0">
+                    <a:highlight>
+                      <a:srgbClr val="FFFF00"/>
+                    </a:highlight>
+                  </a:rPr>
                   <a:t>When comparing models, differences between these numbers tend to be pretty small, so we </a:t>
                 </a:r>
                 <a:r>
-                  <a:rPr lang="en-US" dirty="0" err="1"/>
+                  <a:rPr lang="en-US" dirty="0" err="1">
+                    <a:highlight>
+                      <a:srgbClr val="FFFF00"/>
+                    </a:highlight>
+                  </a:rPr>
                   <a:t>exponentiate</a:t>
                 </a:r>
                 <a:r>
-                  <a:rPr lang="en-US" dirty="0"/>
+                  <a:rPr lang="en-US" dirty="0">
+                    <a:highlight>
+                      <a:srgbClr val="FFFF00"/>
+                    </a:highlight>
+                  </a:rPr>
                   <a:t> </a:t>
                 </a:r>
               </a:p>
@@ -21969,14 +22185,18 @@
               </a:p>
               <a:p>
                 <a:r>
-                  <a:rPr lang="en-US" dirty="0"/>
+                  <a:rPr lang="en-US" dirty="0">
+                    <a:highlight>
+                      <a:srgbClr val="FFFF00"/>
+                    </a:highlight>
+                  </a:rPr>
                   <a:t>Think of this as "how surprised is the model?"</a:t>
                 </a:r>
               </a:p>
             </p:txBody>
           </p:sp>
         </mc:Choice>
-        <mc:Fallback xmlns="">
+        <mc:Fallback>
           <p:sp>
             <p:nvSpPr>
               <p:cNvPr id="3" name="Content Placeholder 2"/>
@@ -21988,10 +22208,10 @@
               </p:nvPr>
             </p:nvSpPr>
             <p:spPr>
-              <a:blipFill rotWithShape="0">
+              <a:blipFill>
                 <a:blip r:embed="rId2"/>
                 <a:stretch>
-                  <a:fillRect l="-928" t="-2801" b="-1261"/>
+                  <a:fillRect l="-2654" t="-16959" b="-1170"/>
                 </a:stretch>
               </a:blipFill>
             </p:spPr>
@@ -22508,21 +22728,37 @@
           <a:p>
             <a:r>
               <a:rPr lang="en-US" dirty="0"/>
-              <a:t>If you </a:t>
-            </a:r>
-            <a:r>
-              <a:rPr lang="en-US" dirty="0" err="1"/>
-              <a:t>overfit</a:t>
+              <a:t>If you overfit your training corpus so that P(train) = 1, </a:t>
+            </a:r>
+            <a:r>
+              <a:rPr lang="en-US" dirty="0">
+                <a:highlight>
+                  <a:srgbClr val="FFFF00"/>
+                </a:highlight>
+              </a:rPr>
+              <a:t>then Perplexity on train is 1</a:t>
+            </a:r>
+          </a:p>
+          <a:p>
+            <a:r>
+              <a:rPr lang="en-US" dirty="0">
+                <a:highlight>
+                  <a:srgbClr val="FFFF00"/>
+                </a:highlight>
+              </a:rPr>
+              <a:t>But Perplexity on test </a:t>
             </a:r>
             <a:r>
               <a:rPr lang="en-US" dirty="0"/>
-              <a:t> your training corpus so that P(train) = 1, then Perplexity on train is 0</a:t>
-            </a:r>
-          </a:p>
-          <a:p>
-            <a:r>
-              <a:rPr lang="en-US" dirty="0"/>
-              <a:t>But Perplexity on test (which doesn't overlap with train) will be infinite</a:t>
+              <a:t>(which doesn't overlap with train) </a:t>
+            </a:r>
+            <a:r>
+              <a:rPr lang="en-US" dirty="0">
+                <a:highlight>
+                  <a:srgbClr val="FFFF00"/>
+                </a:highlight>
+              </a:rPr>
+              <a:t>will be infinite</a:t>
             </a:r>
           </a:p>
         </p:txBody>
@@ -23020,7 +23256,11 @@
           <a:lstStyle/>
           <a:p>
             <a:r>
-              <a:rPr lang="en-US" dirty="0"/>
+              <a:rPr lang="en-US" dirty="0">
+                <a:highlight>
+                  <a:srgbClr val="FFFF00"/>
+                </a:highlight>
+              </a:rPr>
               <a:t>Lower Perplexity is better</a:t>
             </a:r>
           </a:p>
@@ -23046,7 +23286,27 @@
           <a:p>
             <a:r>
               <a:rPr lang="en-US" dirty="0"/>
-              <a:t>In practice, domains shift. To know which of two LMs is better, train on common training sets, test on common test sets</a:t>
+              <a:t>In practice, domains shift. </a:t>
+            </a:r>
+            <a:r>
+              <a:rPr lang="en-US" dirty="0">
+                <a:highlight>
+                  <a:srgbClr val="FFFF00"/>
+                </a:highlight>
+              </a:rPr>
+              <a:t>To know which of two LMs is better, train on common training sets</a:t>
+            </a:r>
+            <a:r>
+              <a:rPr lang="en-US" dirty="0"/>
+              <a:t>, </a:t>
+            </a:r>
+            <a:r>
+              <a:rPr lang="en-US" dirty="0">
+                <a:highlight>
+                  <a:srgbClr val="FFFF00"/>
+                </a:highlight>
+              </a:rPr>
+              <a:t>test on common test sets</a:t>
             </a:r>
           </a:p>
         </p:txBody>
@@ -23738,19 +23998,35 @@
           </a:p>
           <a:p>
             <a:r>
+              <a:rPr lang="en-US" dirty="0">
+                <a:highlight>
+                  <a:srgbClr val="FFFF00"/>
+                </a:highlight>
+              </a:rPr>
+              <a:t>so cross-entropy is infinite</a:t>
+            </a:r>
+          </a:p>
+          <a:p>
+            <a:r>
               <a:rPr lang="en-US" dirty="0"/>
-              <a:t>so cross-entropy is infinite</a:t>
-            </a:r>
-          </a:p>
-          <a:p>
-            <a:r>
-              <a:rPr lang="en-US" dirty="0"/>
-              <a:t>This is basically right; our model says "I spent three" should never occur so when it does our model is infinitely surprised!</a:t>
-            </a:r>
-          </a:p>
-          <a:p>
-            <a:r>
-              <a:rPr lang="en-US" dirty="0"/>
+              <a:t>This is basically right; </a:t>
+            </a:r>
+            <a:r>
+              <a:rPr lang="en-US" dirty="0">
+                <a:highlight>
+                  <a:srgbClr val="FFFF00"/>
+                </a:highlight>
+              </a:rPr>
+              <a:t>our model says "I spent three" should never occur so when it does our model is infinitely surprised!</a:t>
+            </a:r>
+          </a:p>
+          <a:p>
+            <a:r>
+              <a:rPr lang="en-US" dirty="0">
+                <a:highlight>
+                  <a:srgbClr val="FFFF00"/>
+                </a:highlight>
+              </a:rPr>
               <a:t>Even with a unigram model we run into words we never saw, so we need better ways to estimate probabilities from sparse data</a:t>
             </a:r>
           </a:p>
@@ -24110,7 +24386,11 @@
           <a:lstStyle/>
           <a:p>
             <a:r>
-              <a:rPr lang="en-US" dirty="0"/>
+              <a:rPr lang="en-US" dirty="0">
+                <a:highlight>
+                  <a:srgbClr val="FFFF00"/>
+                </a:highlight>
+              </a:rPr>
               <a:t>Pretend we saw everything 1 (α) more times than we did before</a:t>
             </a:r>
           </a:p>
@@ -24532,7 +24812,11 @@
           <a:lstStyle/>
           <a:p>
             <a:r>
-              <a:rPr lang="en-US" dirty="0"/>
+              <a:rPr lang="en-US" dirty="0">
+                <a:highlight>
+                  <a:srgbClr val="FFFF00"/>
+                </a:highlight>
+              </a:rPr>
               <a:t>Can we also add a new 'OOV' token as was done in HMM emission table?</a:t>
             </a:r>
           </a:p>
@@ -24722,14 +25006,38 @@
           </a:p>
           <a:p>
             <a:r>
+              <a:rPr lang="en-US" dirty="0">
+                <a:highlight>
+                  <a:srgbClr val="FFFF00"/>
+                </a:highlight>
+              </a:rPr>
+              <a:t>Better solution</a:t>
+            </a:r>
+            <a:r>
               <a:rPr lang="en-US" dirty="0"/>
-              <a:t>Better solution: replace low-count words in corpus with "OOV"</a:t>
+              <a:t>:</a:t>
+            </a:r>
+            <a:r>
+              <a:rPr lang="en-US" dirty="0">
+                <a:highlight>
+                  <a:srgbClr val="FFFF00"/>
+                </a:highlight>
+              </a:rPr>
+              <a:t> replace low-count words in corpus with "OOV"</a:t>
             </a:r>
           </a:p>
           <a:p>
             <a:r>
               <a:rPr lang="en-US" dirty="0"/>
-              <a:t>Intuition: appears once is basically the same as never appears</a:t>
+              <a:t>Intuition: </a:t>
+            </a:r>
+            <a:r>
+              <a:rPr lang="en-US" dirty="0">
+                <a:highlight>
+                  <a:srgbClr val="FFFF00"/>
+                </a:highlight>
+              </a:rPr>
+              <a:t>appears once is basically the same as never appears</a:t>
             </a:r>
           </a:p>
           <a:p>
@@ -25211,15 +25519,39 @@
           </a:p>
           <a:p>
             <a:r>
+              <a:rPr lang="en-US" dirty="0">
+                <a:highlight>
+                  <a:srgbClr val="FFFF00"/>
+                </a:highlight>
+              </a:rPr>
+              <a:t>If we build a smoothed trigram model (with any kind of smoothing), which example has higher probability</a:t>
+            </a:r>
+            <a:r>
               <a:rPr lang="en-US" dirty="0"/>
-              <a:t>If we build a smoothed trigram model (with any kind of smoothing), which example has higher probability?</a:t>
+              <a:t>?</a:t>
             </a:r>
           </a:p>
           <a:p>
             <a:pPr lvl="1"/>
             <a:r>
+              <a:rPr lang="en-US" dirty="0">
+                <a:highlight>
+                  <a:srgbClr val="FFFF00"/>
+                </a:highlight>
+              </a:rPr>
+              <a:t>Both the same</a:t>
+            </a:r>
+            <a:r>
               <a:rPr lang="en-US" dirty="0"/>
-              <a:t>Both the same! Unknown events are treated equally by smoothing!</a:t>
+              <a:t>! </a:t>
+            </a:r>
+            <a:r>
+              <a:rPr lang="en-US" dirty="0">
+                <a:highlight>
+                  <a:srgbClr val="FFFF00"/>
+                </a:highlight>
+              </a:rPr>
+              <a:t>Unknown events are treated equally by smoothing!</a:t>
             </a:r>
           </a:p>
         </p:txBody>
@@ -25534,14 +25866,30 @@
           <a:lstStyle/>
           <a:p>
             <a:r>
+              <a:rPr lang="en-US" dirty="0">
+                <a:highlight>
+                  <a:srgbClr val="FFFF00"/>
+                </a:highlight>
+              </a:rPr>
+              <a:t>Previous smoothing methods assign equal probability to unseen events</a:t>
+            </a:r>
+          </a:p>
+          <a:p>
+            <a:r>
               <a:rPr lang="en-US" dirty="0"/>
-              <a:t>Previous smoothing methods assign equal probability to unseen events</a:t>
-            </a:r>
-          </a:p>
-          <a:p>
+              <a:t>Better: </a:t>
+            </a:r>
+            <a:r>
+              <a:rPr lang="en-US" dirty="0">
+                <a:highlight>
+                  <a:srgbClr val="FFFF00"/>
+                </a:highlight>
+              </a:rPr>
+              <a:t>use information from lower-order N-grams </a:t>
+            </a:r>
             <a:r>
               <a:rPr lang="en-US" dirty="0"/>
-              <a:t>Better: use information from lower-order N-grams (shorter histories)</a:t>
+              <a:t>(shorter histories)</a:t>
             </a:r>
           </a:p>
           <a:p>
@@ -25564,15 +25912,27 @@
               <a:t>Two ways: </a:t>
             </a:r>
             <a:r>
-              <a:rPr lang="en-US" u="sng" dirty="0" err="1"/>
+              <a:rPr lang="en-US" u="sng" dirty="0" err="1">
+                <a:highlight>
+                  <a:srgbClr val="FFFF00"/>
+                </a:highlight>
+              </a:rPr>
               <a:t>backoff</a:t>
             </a:r>
             <a:r>
-              <a:rPr lang="en-US" dirty="0"/>
+              <a:rPr lang="en-US" dirty="0">
+                <a:highlight>
+                  <a:srgbClr val="FFFF00"/>
+                </a:highlight>
+              </a:rPr>
               <a:t> and </a:t>
             </a:r>
             <a:r>
-              <a:rPr lang="en-US" u="sng" dirty="0"/>
+              <a:rPr lang="en-US" u="sng" dirty="0">
+                <a:highlight>
+                  <a:srgbClr val="FFFF00"/>
+                </a:highlight>
+              </a:rPr>
               <a:t>interpolation</a:t>
             </a:r>
           </a:p>
@@ -26030,16 +26390,32 @@
           </a:p>
           <a:p>
             <a:r>
+              <a:rPr lang="en-US" dirty="0">
+                <a:highlight>
+                  <a:srgbClr val="FFFF00"/>
+                </a:highlight>
+              </a:rPr>
+              <a:t>Language models (LMs) are very useful whenever we are </a:t>
+            </a:r>
+            <a:r>
+              <a:rPr lang="en-US" u="sng" dirty="0">
+                <a:highlight>
+                  <a:srgbClr val="FFFF00"/>
+                </a:highlight>
+              </a:rPr>
+              <a:t>generating</a:t>
+            </a:r>
+            <a:r>
+              <a:rPr lang="en-US" dirty="0">
+                <a:highlight>
+                  <a:srgbClr val="FFFF00"/>
+                </a:highlight>
+              </a:rPr>
+              <a:t> outpu</a:t>
+            </a:r>
+            <a:r>
               <a:rPr lang="en-US" dirty="0"/>
-              <a:t>Language models (LMs) are very useful whenever we are </a:t>
-            </a:r>
-            <a:r>
-              <a:rPr lang="en-US" u="sng" dirty="0"/>
-              <a:t>generating</a:t>
-            </a:r>
-            <a:r>
-              <a:rPr lang="en-US" dirty="0"/>
-              <a:t> output</a:t>
+              <a:t>t</a:t>
             </a:r>
           </a:p>
           <a:p>
@@ -26086,7 +26462,11 @@
           <a:p>
             <a:pPr lvl="1"/>
             <a:r>
-              <a:rPr lang="en-US" dirty="0" err="1"/>
+              <a:rPr lang="en-US" dirty="0" err="1">
+                <a:highlight>
+                  <a:srgbClr val="FFFF00"/>
+                </a:highlight>
+              </a:rPr>
               <a:t>KenLM</a:t>
             </a:r>
             <a:r>

--- a/lm_0921.pptx
+++ b/lm_0921.pptx
@@ -241,7 +241,7 @@
           <a:p>
             <a:fld id="{68265C1B-055B-4A49-AE97-4C86D4DA142B}" type="datetimeFigureOut">
               <a:rPr lang="en-US" smtClean="0"/>
-              <a:t>9/26/18</a:t>
+              <a:t>10/4/18</a:t>
             </a:fld>
             <a:endParaRPr lang="en-US"/>
           </a:p>
@@ -571,7 +571,7 @@
               </a14:hiddenLine>
             </a:ext>
             <a:ext uri="{FAA26D3D-D897-4be2-8F04-BA451C77F1D7}">
-              <ma14:placeholderFlag xmlns:ma14="http://schemas.microsoft.com/office/mac/drawingml/2011/main" xmlns="" val="1"/>
+              <ma14:placeholderFlag xmlns="" xmlns:ma14="http://schemas.microsoft.com/office/mac/drawingml/2011/main" val="1"/>
             </a:ext>
           </a:extLst>
         </p:spPr>
@@ -814,7 +814,7 @@
           <a:p>
             <a:fld id="{A3AB679D-0E79-3349-9F9F-0060ED997CE8}" type="datetimeFigureOut">
               <a:rPr lang="en-US" smtClean="0"/>
-              <a:t>9/26/18</a:t>
+              <a:t>10/4/18</a:t>
             </a:fld>
             <a:endParaRPr lang="en-US"/>
           </a:p>
@@ -982,7 +982,7 @@
           <a:p>
             <a:fld id="{A3AB679D-0E79-3349-9F9F-0060ED997CE8}" type="datetimeFigureOut">
               <a:rPr lang="en-US" smtClean="0"/>
-              <a:t>9/26/18</a:t>
+              <a:t>10/4/18</a:t>
             </a:fld>
             <a:endParaRPr lang="en-US"/>
           </a:p>
@@ -1160,7 +1160,7 @@
           <a:p>
             <a:fld id="{A3AB679D-0E79-3349-9F9F-0060ED997CE8}" type="datetimeFigureOut">
               <a:rPr lang="en-US" smtClean="0"/>
-              <a:t>9/26/18</a:t>
+              <a:t>10/4/18</a:t>
             </a:fld>
             <a:endParaRPr lang="en-US"/>
           </a:p>
@@ -1328,7 +1328,7 @@
           <a:p>
             <a:fld id="{A3AB679D-0E79-3349-9F9F-0060ED997CE8}" type="datetimeFigureOut">
               <a:rPr lang="en-US" smtClean="0"/>
-              <a:t>9/26/18</a:t>
+              <a:t>10/4/18</a:t>
             </a:fld>
             <a:endParaRPr lang="en-US"/>
           </a:p>
@@ -1573,7 +1573,7 @@
           <a:p>
             <a:fld id="{A3AB679D-0E79-3349-9F9F-0060ED997CE8}" type="datetimeFigureOut">
               <a:rPr lang="en-US" smtClean="0"/>
-              <a:t>9/26/18</a:t>
+              <a:t>10/4/18</a:t>
             </a:fld>
             <a:endParaRPr lang="en-US"/>
           </a:p>
@@ -1802,7 +1802,7 @@
           <a:p>
             <a:fld id="{A3AB679D-0E79-3349-9F9F-0060ED997CE8}" type="datetimeFigureOut">
               <a:rPr lang="en-US" smtClean="0"/>
-              <a:t>9/26/18</a:t>
+              <a:t>10/4/18</a:t>
             </a:fld>
             <a:endParaRPr lang="en-US"/>
           </a:p>
@@ -2166,7 +2166,7 @@
           <a:p>
             <a:fld id="{A3AB679D-0E79-3349-9F9F-0060ED997CE8}" type="datetimeFigureOut">
               <a:rPr lang="en-US" smtClean="0"/>
-              <a:t>9/26/18</a:t>
+              <a:t>10/4/18</a:t>
             </a:fld>
             <a:endParaRPr lang="en-US"/>
           </a:p>
@@ -2283,7 +2283,7 @@
           <a:p>
             <a:fld id="{A3AB679D-0E79-3349-9F9F-0060ED997CE8}" type="datetimeFigureOut">
               <a:rPr lang="en-US" smtClean="0"/>
-              <a:t>9/26/18</a:t>
+              <a:t>10/4/18</a:t>
             </a:fld>
             <a:endParaRPr lang="en-US"/>
           </a:p>
@@ -2378,7 +2378,7 @@
           <a:p>
             <a:fld id="{A3AB679D-0E79-3349-9F9F-0060ED997CE8}" type="datetimeFigureOut">
               <a:rPr lang="en-US" smtClean="0"/>
-              <a:t>9/26/18</a:t>
+              <a:t>10/4/18</a:t>
             </a:fld>
             <a:endParaRPr lang="en-US"/>
           </a:p>
@@ -2653,7 +2653,7 @@
           <a:p>
             <a:fld id="{A3AB679D-0E79-3349-9F9F-0060ED997CE8}" type="datetimeFigureOut">
               <a:rPr lang="en-US" smtClean="0"/>
-              <a:t>9/26/18</a:t>
+              <a:t>10/4/18</a:t>
             </a:fld>
             <a:endParaRPr lang="en-US"/>
           </a:p>
@@ -2905,7 +2905,7 @@
           <a:p>
             <a:fld id="{A3AB679D-0E79-3349-9F9F-0060ED997CE8}" type="datetimeFigureOut">
               <a:rPr lang="en-US" smtClean="0"/>
-              <a:t>9/26/18</a:t>
+              <a:t>10/4/18</a:t>
             </a:fld>
             <a:endParaRPr lang="en-US"/>
           </a:p>
@@ -3116,7 +3116,7 @@
           <a:p>
             <a:fld id="{A3AB679D-0E79-3349-9F9F-0060ED997CE8}" type="datetimeFigureOut">
               <a:rPr lang="en-US" smtClean="0"/>
-              <a:t>9/26/18</a:t>
+              <a:t>10/4/18</a:t>
             </a:fld>
             <a:endParaRPr lang="en-US"/>
           </a:p>
@@ -3897,22 +3897,42 @@
               </a:lnSpc>
             </a:pPr>
             <a:r>
-              <a:rPr lang="en-US" altLang="en-US" sz="2400" dirty="0"/>
+              <a:rPr lang="en-US" altLang="en-US" sz="2400" dirty="0">
+                <a:highlight>
+                  <a:srgbClr val="FFFF00"/>
+                </a:highlight>
+              </a:rPr>
               <a:t>We’ll estimate probabilities of the dictionary </a:t>
             </a:r>
             <a:r>
-              <a:rPr lang="en-US" altLang="en-US" sz="2400" u="sng" dirty="0"/>
+              <a:rPr lang="en-US" altLang="en-US" sz="2400" u="sng" dirty="0">
+                <a:highlight>
+                  <a:srgbClr val="FFFF00"/>
+                </a:highlight>
+              </a:rPr>
               <a:t>types</a:t>
             </a:r>
             <a:br>
-              <a:rPr lang="en-US" altLang="en-US" sz="2400" u="sng" dirty="0"/>
+              <a:rPr lang="en-US" altLang="en-US" sz="2400" u="sng" dirty="0">
+                <a:highlight>
+                  <a:srgbClr val="FFFF00"/>
+                </a:highlight>
+              </a:rPr>
             </a:br>
             <a:r>
-              <a:rPr lang="en-US" altLang="en-US" sz="2400" dirty="0"/>
+              <a:rPr lang="en-US" altLang="en-US" sz="2400" dirty="0">
+                <a:highlight>
+                  <a:srgbClr val="FFFF00"/>
+                </a:highlight>
+              </a:rPr>
               <a:t>by counting the corpus </a:t>
             </a:r>
             <a:r>
-              <a:rPr lang="en-US" altLang="en-US" sz="2400" u="sng" dirty="0"/>
+              <a:rPr lang="en-US" altLang="en-US" sz="2400" u="sng" dirty="0">
+                <a:highlight>
+                  <a:srgbClr val="FFFF00"/>
+                </a:highlight>
+              </a:rPr>
               <a:t>tokens</a:t>
             </a:r>
             <a:r>
@@ -21569,8 +21589,8 @@
           </a:p>
         </p:txBody>
       </p:sp>
-      <mc:AlternateContent xmlns:mc="http://schemas.openxmlformats.org/markup-compatibility/2006">
-        <mc:Choice xmlns:a14="http://schemas.microsoft.com/office/drawing/2010/main" Requires="a14">
+      <mc:AlternateContent xmlns:mc="http://schemas.openxmlformats.org/markup-compatibility/2006" xmlns:a14="http://schemas.microsoft.com/office/drawing/2010/main">
+        <mc:Choice Requires="a14">
           <p:sp>
             <p:nvSpPr>
               <p:cNvPr id="3" name="Content Placeholder 2"/>
@@ -22196,7 +22216,7 @@
             </p:txBody>
           </p:sp>
         </mc:Choice>
-        <mc:Fallback>
+        <mc:Fallback xmlns="">
           <p:sp>
             <p:nvSpPr>
               <p:cNvPr id="3" name="Content Placeholder 2"/>
